--- a/docs/imgs.pptx
+++ b/docs/imgs.pptx
@@ -128,12 +128,12 @@
   <pc:docChgLst>
     <pc:chgData name="Ho Chunngai" userId="2cd1f008316e9c6b" providerId="LiveId" clId="{023DAC0A-1E4B-46EC-B765-3F1E75E49251}"/>
     <pc:docChg chg="undo redo custSel modSld">
-      <pc:chgData name="Ho Chunngai" userId="2cd1f008316e9c6b" providerId="LiveId" clId="{023DAC0A-1E4B-46EC-B765-3F1E75E49251}" dt="2022-07-13T15:09:49.752" v="1310" actId="1076"/>
+      <pc:chgData name="Ho Chunngai" userId="2cd1f008316e9c6b" providerId="LiveId" clId="{023DAC0A-1E4B-46EC-B765-3F1E75E49251}" dt="2022-07-18T03:39:46.828" v="1341" actId="20577"/>
       <pc:docMkLst>
         <pc:docMk/>
       </pc:docMkLst>
       <pc:sldChg chg="addSp delSp modSp mod">
-        <pc:chgData name="Ho Chunngai" userId="2cd1f008316e9c6b" providerId="LiveId" clId="{023DAC0A-1E4B-46EC-B765-3F1E75E49251}" dt="2022-07-13T15:09:49.752" v="1310" actId="1076"/>
+        <pc:chgData name="Ho Chunngai" userId="2cd1f008316e9c6b" providerId="LiveId" clId="{023DAC0A-1E4B-46EC-B765-3F1E75E49251}" dt="2022-07-18T03:39:46.828" v="1341" actId="20577"/>
         <pc:sldMkLst>
           <pc:docMk/>
           <pc:sldMk cId="3622576017" sldId="256"/>
@@ -379,7 +379,7 @@
           </ac:graphicFrameMkLst>
         </pc:graphicFrameChg>
         <pc:graphicFrameChg chg="mod modGraphic">
-          <ac:chgData name="Ho Chunngai" userId="2cd1f008316e9c6b" providerId="LiveId" clId="{023DAC0A-1E4B-46EC-B765-3F1E75E49251}" dt="2022-07-13T06:20:57.907" v="1208"/>
+          <ac:chgData name="Ho Chunngai" userId="2cd1f008316e9c6b" providerId="LiveId" clId="{023DAC0A-1E4B-46EC-B765-3F1E75E49251}" dt="2022-07-18T03:39:46.828" v="1341" actId="20577"/>
           <ac:graphicFrameMkLst>
             <pc:docMk/>
             <pc:sldMk cId="3622576017" sldId="256"/>
@@ -973,7 +973,7 @@
           <a:p>
             <a:fld id="{087FAA82-944A-4E7B-839B-FAAE9328250E}" type="datetimeFigureOut">
               <a:rPr lang="zh-CN" altLang="en-US" smtClean="0"/>
-              <a:t>2022/7/13</a:t>
+              <a:t>2022/7/18</a:t>
             </a:fld>
             <a:endParaRPr lang="zh-CN" altLang="en-US"/>
           </a:p>
@@ -1173,7 +1173,7 @@
           <a:p>
             <a:fld id="{087FAA82-944A-4E7B-839B-FAAE9328250E}" type="datetimeFigureOut">
               <a:rPr lang="zh-CN" altLang="en-US" smtClean="0"/>
-              <a:t>2022/7/13</a:t>
+              <a:t>2022/7/18</a:t>
             </a:fld>
             <a:endParaRPr lang="zh-CN" altLang="en-US"/>
           </a:p>
@@ -1383,7 +1383,7 @@
           <a:p>
             <a:fld id="{087FAA82-944A-4E7B-839B-FAAE9328250E}" type="datetimeFigureOut">
               <a:rPr lang="zh-CN" altLang="en-US" smtClean="0"/>
-              <a:t>2022/7/13</a:t>
+              <a:t>2022/7/18</a:t>
             </a:fld>
             <a:endParaRPr lang="zh-CN" altLang="en-US"/>
           </a:p>
@@ -1583,7 +1583,7 @@
           <a:p>
             <a:fld id="{087FAA82-944A-4E7B-839B-FAAE9328250E}" type="datetimeFigureOut">
               <a:rPr lang="zh-CN" altLang="en-US" smtClean="0"/>
-              <a:t>2022/7/13</a:t>
+              <a:t>2022/7/18</a:t>
             </a:fld>
             <a:endParaRPr lang="zh-CN" altLang="en-US"/>
           </a:p>
@@ -1859,7 +1859,7 @@
           <a:p>
             <a:fld id="{087FAA82-944A-4E7B-839B-FAAE9328250E}" type="datetimeFigureOut">
               <a:rPr lang="zh-CN" altLang="en-US" smtClean="0"/>
-              <a:t>2022/7/13</a:t>
+              <a:t>2022/7/18</a:t>
             </a:fld>
             <a:endParaRPr lang="zh-CN" altLang="en-US"/>
           </a:p>
@@ -2127,7 +2127,7 @@
           <a:p>
             <a:fld id="{087FAA82-944A-4E7B-839B-FAAE9328250E}" type="datetimeFigureOut">
               <a:rPr lang="zh-CN" altLang="en-US" smtClean="0"/>
-              <a:t>2022/7/13</a:t>
+              <a:t>2022/7/18</a:t>
             </a:fld>
             <a:endParaRPr lang="zh-CN" altLang="en-US"/>
           </a:p>
@@ -2542,7 +2542,7 @@
           <a:p>
             <a:fld id="{087FAA82-944A-4E7B-839B-FAAE9328250E}" type="datetimeFigureOut">
               <a:rPr lang="zh-CN" altLang="en-US" smtClean="0"/>
-              <a:t>2022/7/13</a:t>
+              <a:t>2022/7/18</a:t>
             </a:fld>
             <a:endParaRPr lang="zh-CN" altLang="en-US"/>
           </a:p>
@@ -2684,7 +2684,7 @@
           <a:p>
             <a:fld id="{087FAA82-944A-4E7B-839B-FAAE9328250E}" type="datetimeFigureOut">
               <a:rPr lang="zh-CN" altLang="en-US" smtClean="0"/>
-              <a:t>2022/7/13</a:t>
+              <a:t>2022/7/18</a:t>
             </a:fld>
             <a:endParaRPr lang="zh-CN" altLang="en-US"/>
           </a:p>
@@ -2797,7 +2797,7 @@
           <a:p>
             <a:fld id="{087FAA82-944A-4E7B-839B-FAAE9328250E}" type="datetimeFigureOut">
               <a:rPr lang="zh-CN" altLang="en-US" smtClean="0"/>
-              <a:t>2022/7/13</a:t>
+              <a:t>2022/7/18</a:t>
             </a:fld>
             <a:endParaRPr lang="zh-CN" altLang="en-US"/>
           </a:p>
@@ -3110,7 +3110,7 @@
           <a:p>
             <a:fld id="{087FAA82-944A-4E7B-839B-FAAE9328250E}" type="datetimeFigureOut">
               <a:rPr lang="zh-CN" altLang="en-US" smtClean="0"/>
-              <a:t>2022/7/13</a:t>
+              <a:t>2022/7/18</a:t>
             </a:fld>
             <a:endParaRPr lang="zh-CN" altLang="en-US"/>
           </a:p>
@@ -3399,7 +3399,7 @@
           <a:p>
             <a:fld id="{087FAA82-944A-4E7B-839B-FAAE9328250E}" type="datetimeFigureOut">
               <a:rPr lang="zh-CN" altLang="en-US" smtClean="0"/>
-              <a:t>2022/7/13</a:t>
+              <a:t>2022/7/18</a:t>
             </a:fld>
             <a:endParaRPr lang="zh-CN" altLang="en-US"/>
           </a:p>
@@ -3642,7 +3642,7 @@
           <a:p>
             <a:fld id="{087FAA82-944A-4E7B-839B-FAAE9328250E}" type="datetimeFigureOut">
               <a:rPr lang="zh-CN" altLang="en-US" smtClean="0"/>
-              <a:t>2022/7/13</a:t>
+              <a:t>2022/7/18</a:t>
             </a:fld>
             <a:endParaRPr lang="zh-CN" altLang="en-US"/>
           </a:p>
@@ -5299,8 +5299,8 @@
           </a:graphicData>
         </a:graphic>
       </p:graphicFrame>
-      <mc:AlternateContent xmlns:mc="http://schemas.openxmlformats.org/markup-compatibility/2006" xmlns:a14="http://schemas.microsoft.com/office/drawing/2010/main">
-        <mc:Choice Requires="a14">
+      <mc:AlternateContent xmlns:mc="http://schemas.openxmlformats.org/markup-compatibility/2006">
+        <mc:Choice xmlns:a14="http://schemas.microsoft.com/office/drawing/2010/main" Requires="a14">
           <p:graphicFrame>
             <p:nvGraphicFramePr>
               <p:cNvPr id="18" name="Tabla 12">
@@ -5316,7 +5316,7 @@
               <p:nvPr>
                 <p:extLst>
                   <p:ext uri="{D42A27DB-BD31-4B8C-83A1-F6EECF244321}">
-                    <p14:modId xmlns:p14="http://schemas.microsoft.com/office/powerpoint/2010/main" val="1523084865"/>
+                    <p14:modId xmlns:p14="http://schemas.microsoft.com/office/powerpoint/2010/main" val="3731138958"/>
                   </p:ext>
                 </p:extLst>
               </p:nvPr>
@@ -5395,56 +5395,16 @@
                                 <m:jc m:val="center"/>
                               </m:oMathParaPr>
                               <m:oMath xmlns:m="http://schemas.openxmlformats.org/officeDocument/2006/math">
-                                <m:sSub>
-                                  <m:sSubPr>
-                                    <m:ctrlPr>
-                                      <a:rPr lang="en-US" altLang="zh-CN" sz="1300" b="0" i="1" smtClean="0">
-                                        <a:solidFill>
-                                          <a:schemeClr val="tx1"/>
-                                        </a:solidFill>
-                                        <a:latin typeface="Cambria Math" panose="02040503050406030204" pitchFamily="18" charset="0"/>
-                                      </a:rPr>
-                                    </m:ctrlPr>
-                                  </m:sSubPr>
-                                  <m:e>
-                                    <m:d>
-                                      <m:dPr>
-                                        <m:begChr m:val="["/>
-                                        <m:endChr m:val="]"/>
-                                        <m:ctrlPr>
-                                          <a:rPr lang="en-US" altLang="zh-CN" sz="1300" b="0" i="1" smtClean="0">
-                                            <a:solidFill>
-                                              <a:schemeClr val="tx1"/>
-                                            </a:solidFill>
-                                            <a:latin typeface="Cambria Math" panose="02040503050406030204" pitchFamily="18" charset="0"/>
-                                          </a:rPr>
-                                        </m:ctrlPr>
-                                      </m:dPr>
-                                      <m:e>
-                                        <m:r>
-                                          <a:rPr lang="en-US" altLang="zh-CN" sz="1300" b="0" i="1" smtClean="0">
-                                            <a:solidFill>
-                                              <a:schemeClr val="tx1"/>
-                                            </a:solidFill>
-                                            <a:latin typeface="Cambria Math" panose="02040503050406030204" pitchFamily="18" charset="0"/>
-                                          </a:rPr>
-                                          <m:t>⋮</m:t>
-                                        </m:r>
-                                      </m:e>
-                                    </m:d>
-                                  </m:e>
-                                  <m:sub>
-                                    <m:r>
-                                      <a:rPr lang="en-US" altLang="zh-CN" sz="1300" b="0" i="1" smtClean="0">
-                                        <a:solidFill>
-                                          <a:schemeClr val="tx1"/>
-                                        </a:solidFill>
-                                        <a:latin typeface="Cambria Math" panose="02040503050406030204" pitchFamily="18" charset="0"/>
-                                      </a:rPr>
-                                      <m:t>50</m:t>
-                                    </m:r>
-                                  </m:sub>
-                                </m:sSub>
+                                <m:r>
+                                  <a:rPr lang="en-GB" altLang="zh-CN" sz="1300" b="0" i="1" smtClean="0">
+                                    <a:solidFill>
+                                      <a:schemeClr val="tx1"/>
+                                    </a:solidFill>
+                                    <a:latin typeface="Cambria Math" panose="02040503050406030204" pitchFamily="18" charset="0"/>
+                                    <a:cs typeface="Times New Roman" panose="02020603050405020304" pitchFamily="18" charset="0"/>
+                                  </a:rPr>
+                                  <m:t>[⋮]</m:t>
+                                </m:r>
                               </m:oMath>
                             </m:oMathPara>
                           </a14:m>
@@ -5507,63 +5467,39 @@
                         <a:bodyPr/>
                         <a:lstStyle/>
                         <a:p>
-                          <a:pPr algn="ctr"/>
+                          <a:pPr marL="0" marR="0" lvl="0" indent="0" algn="ctr" defTabSz="914400" rtl="0" eaLnBrk="1" fontAlgn="auto" latinLnBrk="0" hangingPunct="1">
+                            <a:lnSpc>
+                              <a:spcPct val="100000"/>
+                            </a:lnSpc>
+                            <a:spcBef>
+                              <a:spcPts val="0"/>
+                            </a:spcBef>
+                            <a:spcAft>
+                              <a:spcPts val="0"/>
+                            </a:spcAft>
+                            <a:buClrTx/>
+                            <a:buSzTx/>
+                            <a:buFontTx/>
+                            <a:buNone/>
+                            <a:tabLst/>
+                            <a:defRPr/>
+                          </a:pPr>
                           <a14:m>
                             <m:oMathPara xmlns:m="http://schemas.openxmlformats.org/officeDocument/2006/math">
                               <m:oMathParaPr>
                                 <m:jc m:val="centerGroup"/>
                               </m:oMathParaPr>
                               <m:oMath xmlns:m="http://schemas.openxmlformats.org/officeDocument/2006/math">
-                                <m:sSub>
-                                  <m:sSubPr>
-                                    <m:ctrlPr>
-                                      <a:rPr lang="en-US" altLang="zh-CN" sz="1300" b="0" i="1" smtClean="0">
-                                        <a:solidFill>
-                                          <a:schemeClr val="tx1"/>
-                                        </a:solidFill>
-                                        <a:latin typeface="Cambria Math" panose="02040503050406030204" pitchFamily="18" charset="0"/>
-                                      </a:rPr>
-                                    </m:ctrlPr>
-                                  </m:sSubPr>
-                                  <m:e>
-                                    <m:d>
-                                      <m:dPr>
-                                        <m:begChr m:val="["/>
-                                        <m:endChr m:val="]"/>
-                                        <m:ctrlPr>
-                                          <a:rPr lang="en-US" altLang="zh-CN" sz="1300" b="0" i="1" smtClean="0">
-                                            <a:solidFill>
-                                              <a:schemeClr val="tx1"/>
-                                            </a:solidFill>
-                                            <a:latin typeface="Cambria Math" panose="02040503050406030204" pitchFamily="18" charset="0"/>
-                                          </a:rPr>
-                                        </m:ctrlPr>
-                                      </m:dPr>
-                                      <m:e>
-                                        <m:r>
-                                          <a:rPr lang="en-US" altLang="zh-CN" sz="1300" b="0" i="1" smtClean="0">
-                                            <a:solidFill>
-                                              <a:schemeClr val="tx1"/>
-                                            </a:solidFill>
-                                            <a:latin typeface="Cambria Math" panose="02040503050406030204" pitchFamily="18" charset="0"/>
-                                          </a:rPr>
-                                          <m:t>⋮</m:t>
-                                        </m:r>
-                                      </m:e>
-                                    </m:d>
-                                  </m:e>
-                                  <m:sub>
-                                    <m:r>
-                                      <a:rPr lang="en-US" altLang="zh-CN" sz="1300" b="0" i="1" smtClean="0">
-                                        <a:solidFill>
-                                          <a:schemeClr val="tx1"/>
-                                        </a:solidFill>
-                                        <a:latin typeface="Cambria Math" panose="02040503050406030204" pitchFamily="18" charset="0"/>
-                                      </a:rPr>
-                                      <m:t>50</m:t>
-                                    </m:r>
-                                  </m:sub>
-                                </m:sSub>
+                                <m:r>
+                                  <a:rPr lang="en-GB" altLang="zh-CN" sz="1300" b="0" i="1" smtClean="0">
+                                    <a:solidFill>
+                                      <a:schemeClr val="tx1"/>
+                                    </a:solidFill>
+                                    <a:latin typeface="Cambria Math" panose="02040503050406030204" pitchFamily="18" charset="0"/>
+                                    <a:cs typeface="Times New Roman" panose="02020603050405020304" pitchFamily="18" charset="0"/>
+                                  </a:rPr>
+                                  <m:t>[⋮]</m:t>
+                                </m:r>
                               </m:oMath>
                             </m:oMathPara>
                           </a14:m>
@@ -5626,63 +5562,39 @@
                         <a:bodyPr/>
                         <a:lstStyle/>
                         <a:p>
-                          <a:pPr algn="ctr"/>
+                          <a:pPr marL="0" marR="0" lvl="0" indent="0" algn="ctr" defTabSz="914400" rtl="0" eaLnBrk="1" fontAlgn="auto" latinLnBrk="0" hangingPunct="1">
+                            <a:lnSpc>
+                              <a:spcPct val="100000"/>
+                            </a:lnSpc>
+                            <a:spcBef>
+                              <a:spcPts val="0"/>
+                            </a:spcBef>
+                            <a:spcAft>
+                              <a:spcPts val="0"/>
+                            </a:spcAft>
+                            <a:buClrTx/>
+                            <a:buSzTx/>
+                            <a:buFontTx/>
+                            <a:buNone/>
+                            <a:tabLst/>
+                            <a:defRPr/>
+                          </a:pPr>
                           <a14:m>
                             <m:oMathPara xmlns:m="http://schemas.openxmlformats.org/officeDocument/2006/math">
                               <m:oMathParaPr>
                                 <m:jc m:val="centerGroup"/>
                               </m:oMathParaPr>
                               <m:oMath xmlns:m="http://schemas.openxmlformats.org/officeDocument/2006/math">
-                                <m:sSub>
-                                  <m:sSubPr>
-                                    <m:ctrlPr>
-                                      <a:rPr lang="en-US" altLang="zh-CN" sz="1300" b="0" i="1" smtClean="0">
-                                        <a:solidFill>
-                                          <a:schemeClr val="tx1"/>
-                                        </a:solidFill>
-                                        <a:latin typeface="Cambria Math" panose="02040503050406030204" pitchFamily="18" charset="0"/>
-                                      </a:rPr>
-                                    </m:ctrlPr>
-                                  </m:sSubPr>
-                                  <m:e>
-                                    <m:d>
-                                      <m:dPr>
-                                        <m:begChr m:val="["/>
-                                        <m:endChr m:val="]"/>
-                                        <m:ctrlPr>
-                                          <a:rPr lang="en-US" altLang="zh-CN" sz="1300" b="0" i="1" smtClean="0">
-                                            <a:solidFill>
-                                              <a:schemeClr val="tx1"/>
-                                            </a:solidFill>
-                                            <a:latin typeface="Cambria Math" panose="02040503050406030204" pitchFamily="18" charset="0"/>
-                                          </a:rPr>
-                                        </m:ctrlPr>
-                                      </m:dPr>
-                                      <m:e>
-                                        <m:r>
-                                          <a:rPr lang="en-US" altLang="zh-CN" sz="1300" b="0" i="1" smtClean="0">
-                                            <a:solidFill>
-                                              <a:schemeClr val="tx1"/>
-                                            </a:solidFill>
-                                            <a:latin typeface="Cambria Math" panose="02040503050406030204" pitchFamily="18" charset="0"/>
-                                          </a:rPr>
-                                          <m:t>⋮</m:t>
-                                        </m:r>
-                                      </m:e>
-                                    </m:d>
-                                  </m:e>
-                                  <m:sub>
-                                    <m:r>
-                                      <a:rPr lang="en-US" altLang="zh-CN" sz="1300" b="0" i="1" smtClean="0">
-                                        <a:solidFill>
-                                          <a:schemeClr val="tx1"/>
-                                        </a:solidFill>
-                                        <a:latin typeface="Cambria Math" panose="02040503050406030204" pitchFamily="18" charset="0"/>
-                                      </a:rPr>
-                                      <m:t>50</m:t>
-                                    </m:r>
-                                  </m:sub>
-                                </m:sSub>
+                                <m:r>
+                                  <a:rPr lang="en-GB" altLang="zh-CN" sz="1300" b="0" i="1" smtClean="0">
+                                    <a:solidFill>
+                                      <a:schemeClr val="tx1"/>
+                                    </a:solidFill>
+                                    <a:latin typeface="Cambria Math" panose="02040503050406030204" pitchFamily="18" charset="0"/>
+                                    <a:cs typeface="Times New Roman" panose="02020603050405020304" pitchFamily="18" charset="0"/>
+                                  </a:rPr>
+                                  <m:t>[⋮]</m:t>
+                                </m:r>
                               </m:oMath>
                             </m:oMathPara>
                           </a14:m>
@@ -5815,63 +5727,39 @@
                         <a:bodyPr/>
                         <a:lstStyle/>
                         <a:p>
-                          <a:pPr algn="ctr"/>
+                          <a:pPr marL="0" marR="0" lvl="0" indent="0" algn="ctr" defTabSz="914400" rtl="0" eaLnBrk="1" fontAlgn="auto" latinLnBrk="0" hangingPunct="1">
+                            <a:lnSpc>
+                              <a:spcPct val="100000"/>
+                            </a:lnSpc>
+                            <a:spcBef>
+                              <a:spcPts val="0"/>
+                            </a:spcBef>
+                            <a:spcAft>
+                              <a:spcPts val="0"/>
+                            </a:spcAft>
+                            <a:buClrTx/>
+                            <a:buSzTx/>
+                            <a:buFontTx/>
+                            <a:buNone/>
+                            <a:tabLst/>
+                            <a:defRPr/>
+                          </a:pPr>
                           <a14:m>
                             <m:oMathPara xmlns:m="http://schemas.openxmlformats.org/officeDocument/2006/math">
                               <m:oMathParaPr>
                                 <m:jc m:val="centerGroup"/>
                               </m:oMathParaPr>
                               <m:oMath xmlns:m="http://schemas.openxmlformats.org/officeDocument/2006/math">
-                                <m:sSub>
-                                  <m:sSubPr>
-                                    <m:ctrlPr>
-                                      <a:rPr lang="en-US" altLang="zh-CN" sz="1300" b="0" i="1" smtClean="0">
-                                        <a:solidFill>
-                                          <a:schemeClr val="tx1"/>
-                                        </a:solidFill>
-                                        <a:latin typeface="Cambria Math" panose="02040503050406030204" pitchFamily="18" charset="0"/>
-                                      </a:rPr>
-                                    </m:ctrlPr>
-                                  </m:sSubPr>
-                                  <m:e>
-                                    <m:d>
-                                      <m:dPr>
-                                        <m:begChr m:val="["/>
-                                        <m:endChr m:val="]"/>
-                                        <m:ctrlPr>
-                                          <a:rPr lang="en-US" altLang="zh-CN" sz="1300" b="0" i="1" smtClean="0">
-                                            <a:solidFill>
-                                              <a:schemeClr val="tx1"/>
-                                            </a:solidFill>
-                                            <a:latin typeface="Cambria Math" panose="02040503050406030204" pitchFamily="18" charset="0"/>
-                                          </a:rPr>
-                                        </m:ctrlPr>
-                                      </m:dPr>
-                                      <m:e>
-                                        <m:r>
-                                          <a:rPr lang="en-US" altLang="zh-CN" sz="1300" b="0" i="1" smtClean="0">
-                                            <a:solidFill>
-                                              <a:schemeClr val="tx1"/>
-                                            </a:solidFill>
-                                            <a:latin typeface="Cambria Math" panose="02040503050406030204" pitchFamily="18" charset="0"/>
-                                          </a:rPr>
-                                          <m:t>⋮</m:t>
-                                        </m:r>
-                                      </m:e>
-                                    </m:d>
-                                  </m:e>
-                                  <m:sub>
-                                    <m:r>
-                                      <a:rPr lang="en-US" altLang="zh-CN" sz="1300" b="0" i="1" smtClean="0">
-                                        <a:solidFill>
-                                          <a:schemeClr val="tx1"/>
-                                        </a:solidFill>
-                                        <a:latin typeface="Cambria Math" panose="02040503050406030204" pitchFamily="18" charset="0"/>
-                                      </a:rPr>
-                                      <m:t>50</m:t>
-                                    </m:r>
-                                  </m:sub>
-                                </m:sSub>
+                                <m:r>
+                                  <a:rPr lang="en-GB" altLang="zh-CN" sz="1300" b="0" i="1" smtClean="0">
+                                    <a:solidFill>
+                                      <a:schemeClr val="tx1"/>
+                                    </a:solidFill>
+                                    <a:latin typeface="Cambria Math" panose="02040503050406030204" pitchFamily="18" charset="0"/>
+                                    <a:cs typeface="Times New Roman" panose="02020603050405020304" pitchFamily="18" charset="0"/>
+                                  </a:rPr>
+                                  <m:t>[⋮]</m:t>
+                                </m:r>
                               </m:oMath>
                             </m:oMathPara>
                           </a14:m>
@@ -5934,63 +5822,39 @@
                         <a:bodyPr/>
                         <a:lstStyle/>
                         <a:p>
-                          <a:pPr algn="ctr"/>
+                          <a:pPr marL="0" marR="0" lvl="0" indent="0" algn="ctr" defTabSz="914400" rtl="0" eaLnBrk="1" fontAlgn="auto" latinLnBrk="0" hangingPunct="1">
+                            <a:lnSpc>
+                              <a:spcPct val="100000"/>
+                            </a:lnSpc>
+                            <a:spcBef>
+                              <a:spcPts val="0"/>
+                            </a:spcBef>
+                            <a:spcAft>
+                              <a:spcPts val="0"/>
+                            </a:spcAft>
+                            <a:buClrTx/>
+                            <a:buSzTx/>
+                            <a:buFontTx/>
+                            <a:buNone/>
+                            <a:tabLst/>
+                            <a:defRPr/>
+                          </a:pPr>
                           <a14:m>
                             <m:oMathPara xmlns:m="http://schemas.openxmlformats.org/officeDocument/2006/math">
                               <m:oMathParaPr>
                                 <m:jc m:val="centerGroup"/>
                               </m:oMathParaPr>
                               <m:oMath xmlns:m="http://schemas.openxmlformats.org/officeDocument/2006/math">
-                                <m:sSub>
-                                  <m:sSubPr>
-                                    <m:ctrlPr>
-                                      <a:rPr lang="en-US" altLang="zh-CN" sz="1300" b="0" i="1" smtClean="0">
-                                        <a:solidFill>
-                                          <a:schemeClr val="tx1"/>
-                                        </a:solidFill>
-                                        <a:latin typeface="Cambria Math" panose="02040503050406030204" pitchFamily="18" charset="0"/>
-                                      </a:rPr>
-                                    </m:ctrlPr>
-                                  </m:sSubPr>
-                                  <m:e>
-                                    <m:d>
-                                      <m:dPr>
-                                        <m:begChr m:val="["/>
-                                        <m:endChr m:val="]"/>
-                                        <m:ctrlPr>
-                                          <a:rPr lang="en-US" altLang="zh-CN" sz="1300" b="0" i="1" smtClean="0">
-                                            <a:solidFill>
-                                              <a:schemeClr val="tx1"/>
-                                            </a:solidFill>
-                                            <a:latin typeface="Cambria Math" panose="02040503050406030204" pitchFamily="18" charset="0"/>
-                                          </a:rPr>
-                                        </m:ctrlPr>
-                                      </m:dPr>
-                                      <m:e>
-                                        <m:r>
-                                          <a:rPr lang="en-US" altLang="zh-CN" sz="1300" b="0" i="1" smtClean="0">
-                                            <a:solidFill>
-                                              <a:schemeClr val="tx1"/>
-                                            </a:solidFill>
-                                            <a:latin typeface="Cambria Math" panose="02040503050406030204" pitchFamily="18" charset="0"/>
-                                          </a:rPr>
-                                          <m:t>⋮</m:t>
-                                        </m:r>
-                                      </m:e>
-                                    </m:d>
-                                  </m:e>
-                                  <m:sub>
-                                    <m:r>
-                                      <a:rPr lang="en-US" altLang="zh-CN" sz="1300" b="0" i="1" smtClean="0">
-                                        <a:solidFill>
-                                          <a:schemeClr val="tx1"/>
-                                        </a:solidFill>
-                                        <a:latin typeface="Cambria Math" panose="02040503050406030204" pitchFamily="18" charset="0"/>
-                                      </a:rPr>
-                                      <m:t>50</m:t>
-                                    </m:r>
-                                  </m:sub>
-                                </m:sSub>
+                                <m:r>
+                                  <a:rPr lang="en-GB" altLang="zh-CN" sz="1300" b="0" i="1" smtClean="0">
+                                    <a:solidFill>
+                                      <a:schemeClr val="tx1"/>
+                                    </a:solidFill>
+                                    <a:latin typeface="Cambria Math" panose="02040503050406030204" pitchFamily="18" charset="0"/>
+                                    <a:cs typeface="Times New Roman" panose="02020603050405020304" pitchFamily="18" charset="0"/>
+                                  </a:rPr>
+                                  <m:t>[⋮]</m:t>
+                                </m:r>
                               </m:oMath>
                             </m:oMathPara>
                           </a14:m>
@@ -6053,63 +5917,39 @@
                         <a:bodyPr/>
                         <a:lstStyle/>
                         <a:p>
-                          <a:pPr algn="ctr"/>
+                          <a:pPr marL="0" marR="0" lvl="0" indent="0" algn="ctr" defTabSz="914400" rtl="0" eaLnBrk="1" fontAlgn="auto" latinLnBrk="0" hangingPunct="1">
+                            <a:lnSpc>
+                              <a:spcPct val="100000"/>
+                            </a:lnSpc>
+                            <a:spcBef>
+                              <a:spcPts val="0"/>
+                            </a:spcBef>
+                            <a:spcAft>
+                              <a:spcPts val="0"/>
+                            </a:spcAft>
+                            <a:buClrTx/>
+                            <a:buSzTx/>
+                            <a:buFontTx/>
+                            <a:buNone/>
+                            <a:tabLst/>
+                            <a:defRPr/>
+                          </a:pPr>
                           <a14:m>
                             <m:oMathPara xmlns:m="http://schemas.openxmlformats.org/officeDocument/2006/math">
                               <m:oMathParaPr>
                                 <m:jc m:val="centerGroup"/>
                               </m:oMathParaPr>
                               <m:oMath xmlns:m="http://schemas.openxmlformats.org/officeDocument/2006/math">
-                                <m:sSub>
-                                  <m:sSubPr>
-                                    <m:ctrlPr>
-                                      <a:rPr lang="en-US" altLang="zh-CN" sz="1300" b="0" i="1" smtClean="0">
-                                        <a:solidFill>
-                                          <a:schemeClr val="tx1"/>
-                                        </a:solidFill>
-                                        <a:latin typeface="Cambria Math" panose="02040503050406030204" pitchFamily="18" charset="0"/>
-                                      </a:rPr>
-                                    </m:ctrlPr>
-                                  </m:sSubPr>
-                                  <m:e>
-                                    <m:d>
-                                      <m:dPr>
-                                        <m:begChr m:val="["/>
-                                        <m:endChr m:val="]"/>
-                                        <m:ctrlPr>
-                                          <a:rPr lang="en-US" altLang="zh-CN" sz="1300" b="0" i="1" smtClean="0">
-                                            <a:solidFill>
-                                              <a:schemeClr val="tx1"/>
-                                            </a:solidFill>
-                                            <a:latin typeface="Cambria Math" panose="02040503050406030204" pitchFamily="18" charset="0"/>
-                                          </a:rPr>
-                                        </m:ctrlPr>
-                                      </m:dPr>
-                                      <m:e>
-                                        <m:r>
-                                          <a:rPr lang="en-US" altLang="zh-CN" sz="1300" b="0" i="1" smtClean="0">
-                                            <a:solidFill>
-                                              <a:schemeClr val="tx1"/>
-                                            </a:solidFill>
-                                            <a:latin typeface="Cambria Math" panose="02040503050406030204" pitchFamily="18" charset="0"/>
-                                          </a:rPr>
-                                          <m:t>⋮</m:t>
-                                        </m:r>
-                                      </m:e>
-                                    </m:d>
-                                  </m:e>
-                                  <m:sub>
-                                    <m:r>
-                                      <a:rPr lang="en-US" altLang="zh-CN" sz="1300" b="0" i="1" smtClean="0">
-                                        <a:solidFill>
-                                          <a:schemeClr val="tx1"/>
-                                        </a:solidFill>
-                                        <a:latin typeface="Cambria Math" panose="02040503050406030204" pitchFamily="18" charset="0"/>
-                                      </a:rPr>
-                                      <m:t>50</m:t>
-                                    </m:r>
-                                  </m:sub>
-                                </m:sSub>
+                                <m:r>
+                                  <a:rPr lang="en-GB" altLang="zh-CN" sz="1300" b="0" i="1" smtClean="0">
+                                    <a:solidFill>
+                                      <a:schemeClr val="tx1"/>
+                                    </a:solidFill>
+                                    <a:latin typeface="Cambria Math" panose="02040503050406030204" pitchFamily="18" charset="0"/>
+                                    <a:cs typeface="Times New Roman" panose="02020603050405020304" pitchFamily="18" charset="0"/>
+                                  </a:rPr>
+                                  <m:t>[⋮]</m:t>
+                                </m:r>
                               </m:oMath>
                             </m:oMathPara>
                           </a14:m>
@@ -6178,7 +6018,7 @@
             </a:graphic>
           </p:graphicFrame>
         </mc:Choice>
-        <mc:Fallback xmlns="">
+        <mc:Fallback>
           <p:graphicFrame>
             <p:nvGraphicFramePr>
               <p:cNvPr id="18" name="Tabla 12">
@@ -6194,7 +6034,7 @@
               <p:nvPr>
                 <p:extLst>
                   <p:ext uri="{D42A27DB-BD31-4B8C-83A1-F6EECF244321}">
-                    <p14:modId xmlns:p14="http://schemas.microsoft.com/office/powerpoint/2010/main" val="1523084865"/>
+                    <p14:modId xmlns:p14="http://schemas.microsoft.com/office/powerpoint/2010/main" val="3731138958"/>
                   </p:ext>
                 </p:extLst>
               </p:nvPr>
